--- a/report/Bachelor presentation.pptx
+++ b/report/Bachelor presentation.pptx
@@ -9,10 +9,15 @@
     <p:sldId id="258" r:id="rId3"/>
     <p:sldId id="257" r:id="rId4"/>
     <p:sldId id="259" r:id="rId5"/>
-    <p:sldId id="260" r:id="rId6"/>
-    <p:sldId id="261" r:id="rId7"/>
-    <p:sldId id="262" r:id="rId8"/>
-    <p:sldId id="263" r:id="rId9"/>
+    <p:sldId id="264" r:id="rId6"/>
+    <p:sldId id="265" r:id="rId7"/>
+    <p:sldId id="269" r:id="rId8"/>
+    <p:sldId id="260" r:id="rId9"/>
+    <p:sldId id="266" r:id="rId10"/>
+    <p:sldId id="267" r:id="rId11"/>
+    <p:sldId id="262" r:id="rId12"/>
+    <p:sldId id="263" r:id="rId13"/>
+    <p:sldId id="268" r:id="rId14"/>
   </p:sldIdLst>
   <p:sldSz cx="9144000" cy="6858000" type="screen4x3"/>
   <p:notesSz cx="6858000" cy="9144000"/>
@@ -1008,6 +1013,9 @@
   <p:clrMapOvr>
     <a:overrideClrMapping bg1="lt1" tx1="dk1" bg2="lt2" tx2="dk2" accent1="accent1" accent2="accent2" accent3="accent3" accent4="accent4" accent5="accent5" accent6="accent6" hlink="hlink" folHlink="folHlink"/>
   </p:clrMapOvr>
+  <p:transition>
+    <p:fade/>
+  </p:transition>
 </p:sldLayout>
 </file>
 
@@ -1173,6 +1181,9 @@
   <p:clrMapOvr>
     <a:masterClrMapping/>
   </p:clrMapOvr>
+  <p:transition>
+    <p:fade/>
+  </p:transition>
 </p:sldLayout>
 </file>
 
@@ -1348,6 +1359,9 @@
   <p:clrMapOvr>
     <a:masterClrMapping/>
   </p:clrMapOvr>
+  <p:transition>
+    <p:fade/>
+  </p:transition>
 </p:sldLayout>
 </file>
 
@@ -1518,6 +1532,9 @@
   <p:clrMapOvr>
     <a:masterClrMapping/>
   </p:clrMapOvr>
+  <p:transition>
+    <p:fade/>
+  </p:transition>
 </p:sldLayout>
 </file>
 
@@ -2429,6 +2446,9 @@
   <p:clrMapOvr>
     <a:overrideClrMapping bg1="dk1" tx1="lt1" bg2="dk2" tx2="lt2" accent1="accent1" accent2="accent2" accent3="accent3" accent4="accent4" accent5="accent5" accent6="accent6" hlink="hlink" folHlink="folHlink"/>
   </p:clrMapOvr>
+  <p:transition>
+    <p:fade/>
+  </p:transition>
 </p:sldLayout>
 </file>
 
@@ -2656,6 +2676,9 @@
   <p:clrMapOvr>
     <a:masterClrMapping/>
   </p:clrMapOvr>
+  <p:transition>
+    <p:fade/>
+  </p:transition>
 </p:sldLayout>
 </file>
 
@@ -2988,6 +3011,9 @@
   <p:clrMapOvr>
     <a:masterClrMapping/>
   </p:clrMapOvr>
+  <p:transition>
+    <p:fade/>
+  </p:transition>
 </p:sldLayout>
 </file>
 
@@ -3101,6 +3127,9 @@
   <p:clrMapOvr>
     <a:masterClrMapping/>
   </p:clrMapOvr>
+  <p:transition>
+    <p:fade/>
+  </p:transition>
 </p:sldLayout>
 </file>
 
@@ -3191,6 +3220,9 @@
   <p:clrMapOvr>
     <a:masterClrMapping/>
   </p:clrMapOvr>
+  <p:transition>
+    <p:fade/>
+  </p:transition>
 </p:sldLayout>
 </file>
 
@@ -3708,6 +3740,9 @@
   <p:clrMapOvr>
     <a:overrideClrMapping bg1="lt1" tx1="dk1" bg2="lt2" tx2="dk2" accent1="accent1" accent2="accent2" accent3="accent3" accent4="accent4" accent5="accent5" accent6="accent6" hlink="hlink" folHlink="folHlink"/>
   </p:clrMapOvr>
+  <p:transition>
+    <p:fade/>
+  </p:transition>
 </p:sldLayout>
 </file>
 
@@ -4219,6 +4254,9 @@
   <p:clrMapOvr>
     <a:masterClrMapping/>
   </p:clrMapOvr>
+  <p:transition>
+    <p:fade/>
+  </p:transition>
 </p:sldLayout>
 </file>
 
@@ -4709,6 +4747,9 @@
     <p:sldLayoutId id="2147483670" r:id="rId10"/>
     <p:sldLayoutId id="2147483671" r:id="rId11"/>
   </p:sldLayoutIdLst>
+  <p:transition>
+    <p:fade/>
+  </p:transition>
   <p:txStyles>
     <p:titleStyle>
       <a:lvl1pPr algn="l" rtl="0" eaLnBrk="1" latinLnBrk="0" hangingPunct="1">
@@ -5095,6 +5136,496 @@
   <p:clrMapOvr>
     <a:masterClrMapping/>
   </p:clrMapOvr>
+  <p:transition>
+    <p:fade/>
+  </p:transition>
+  <p:timing>
+    <p:tnLst>
+      <p:par>
+        <p:cTn id="1" dur="indefinite" restart="never" nodeType="tmRoot"/>
+      </p:par>
+    </p:tnLst>
+  </p:timing>
+</p:sld>
+</file>
+
+<file path=ppt/slides/slide10.xml><?xml version="1.0" encoding="utf-8"?>
+<p:sld xmlns:a="http://schemas.openxmlformats.org/drawingml/2006/main" xmlns:r="http://schemas.openxmlformats.org/officeDocument/2006/relationships" xmlns:p="http://schemas.openxmlformats.org/presentationml/2006/main">
+  <p:cSld>
+    <p:spTree>
+      <p:nvGrpSpPr>
+        <p:cNvPr id="1" name=""/>
+        <p:cNvGrpSpPr/>
+        <p:nvPr/>
+      </p:nvGrpSpPr>
+      <p:grpSpPr>
+        <a:xfrm>
+          <a:off x="0" y="0"/>
+          <a:ext cx="0" cy="0"/>
+          <a:chOff x="0" y="0"/>
+          <a:chExt cx="0" cy="0"/>
+        </a:xfrm>
+      </p:grpSpPr>
+      <p:sp>
+        <p:nvSpPr>
+          <p:cNvPr id="2" name="Title 1"/>
+          <p:cNvSpPr>
+            <a:spLocks noGrp="1"/>
+          </p:cNvSpPr>
+          <p:nvPr>
+            <p:ph type="title"/>
+          </p:nvPr>
+        </p:nvSpPr>
+        <p:spPr/>
+        <p:txBody>
+          <a:bodyPr/>
+          <a:lstStyle/>
+          <a:p>
+            <a:r>
+              <a:rPr lang="fr-FR" dirty="0" err="1" smtClean="0"/>
+              <a:t>Difference</a:t>
+            </a:r>
+            <a:r>
+              <a:rPr lang="fr-FR" dirty="0" smtClean="0"/>
+              <a:t> </a:t>
+            </a:r>
+            <a:r>
+              <a:rPr lang="fr-FR" dirty="0" err="1" smtClean="0"/>
+              <a:t>between</a:t>
+            </a:r>
+            <a:r>
+              <a:rPr lang="fr-FR" dirty="0" smtClean="0"/>
+              <a:t> the agents</a:t>
+            </a:r>
+            <a:endParaRPr lang="fr-FR" dirty="0"/>
+          </a:p>
+        </p:txBody>
+      </p:sp>
+      <p:pic>
+        <p:nvPicPr>
+          <p:cNvPr id="4" name="Content Placeholder 3" descr="dh_betweenness_centrality_bees.png"/>
+          <p:cNvPicPr>
+            <a:picLocks noGrp="1" noChangeAspect="1"/>
+          </p:cNvPicPr>
+          <p:nvPr>
+            <p:ph sz="quarter" idx="1"/>
+          </p:nvPr>
+        </p:nvPicPr>
+        <p:blipFill>
+          <a:blip r:embed="rId2" cstate="print"/>
+          <a:stretch>
+            <a:fillRect/>
+          </a:stretch>
+        </p:blipFill>
+        <p:spPr>
+          <a:xfrm>
+            <a:off x="1333500" y="2132012"/>
+            <a:ext cx="5715000" cy="3810000"/>
+          </a:xfrm>
+        </p:spPr>
+      </p:pic>
+      <p:sp>
+        <p:nvSpPr>
+          <p:cNvPr id="5" name="TextBox 4"/>
+          <p:cNvSpPr txBox="1"/>
+          <p:nvPr/>
+        </p:nvSpPr>
+        <p:spPr>
+          <a:xfrm>
+            <a:off x="539552" y="1484784"/>
+            <a:ext cx="3168352" cy="923330"/>
+          </a:xfrm>
+          <a:prstGeom prst="rect">
+            <a:avLst/>
+          </a:prstGeom>
+          <a:noFill/>
+        </p:spPr>
+        <p:txBody>
+          <a:bodyPr wrap="square" rtlCol="0">
+            <a:spAutoFit/>
+          </a:bodyPr>
+          <a:lstStyle/>
+          <a:p>
+            <a:r>
+              <a:rPr lang="fr-FR" dirty="0" err="1" smtClean="0"/>
+              <a:t>Bees</a:t>
+            </a:r>
+            <a:r>
+              <a:rPr lang="fr-FR" dirty="0" smtClean="0"/>
+              <a:t> :</a:t>
+            </a:r>
+          </a:p>
+          <a:p>
+            <a:r>
+              <a:rPr lang="fr-FR" dirty="0" err="1" smtClean="0"/>
+              <a:t>Clustering</a:t>
+            </a:r>
+            <a:r>
+              <a:rPr lang="fr-FR" dirty="0" smtClean="0"/>
+              <a:t> coefficient : 0.026</a:t>
+            </a:r>
+          </a:p>
+        </p:txBody>
+      </p:sp>
+    </p:spTree>
+  </p:cSld>
+  <p:clrMapOvr>
+    <a:masterClrMapping/>
+  </p:clrMapOvr>
+  <p:transition>
+    <p:fade/>
+  </p:transition>
+</p:sld>
+</file>
+
+<file path=ppt/slides/slide11.xml><?xml version="1.0" encoding="utf-8"?>
+<p:sld xmlns:a="http://schemas.openxmlformats.org/drawingml/2006/main" xmlns:r="http://schemas.openxmlformats.org/officeDocument/2006/relationships" xmlns:p="http://schemas.openxmlformats.org/presentationml/2006/main">
+  <p:cSld>
+    <p:spTree>
+      <p:nvGrpSpPr>
+        <p:cNvPr id="1" name=""/>
+        <p:cNvGrpSpPr/>
+        <p:nvPr/>
+      </p:nvGrpSpPr>
+      <p:grpSpPr>
+        <a:xfrm>
+          <a:off x="0" y="0"/>
+          <a:ext cx="0" cy="0"/>
+          <a:chOff x="0" y="0"/>
+          <a:chExt cx="0" cy="0"/>
+        </a:xfrm>
+      </p:grpSpPr>
+      <p:sp>
+        <p:nvSpPr>
+          <p:cNvPr id="2" name="Title 1"/>
+          <p:cNvSpPr>
+            <a:spLocks noGrp="1"/>
+          </p:cNvSpPr>
+          <p:nvPr>
+            <p:ph type="title"/>
+          </p:nvPr>
+        </p:nvSpPr>
+        <p:spPr/>
+        <p:txBody>
+          <a:bodyPr/>
+          <a:lstStyle/>
+          <a:p>
+            <a:r>
+              <a:rPr lang="fr-FR" dirty="0" smtClean="0"/>
+              <a:t>Main </a:t>
+            </a:r>
+            <a:r>
+              <a:rPr lang="fr-FR" dirty="0" smtClean="0"/>
+              <a:t>issues</a:t>
+            </a:r>
+            <a:endParaRPr lang="fr-FR" dirty="0"/>
+          </a:p>
+        </p:txBody>
+      </p:sp>
+      <p:sp>
+        <p:nvSpPr>
+          <p:cNvPr id="3" name="Content Placeholder 2"/>
+          <p:cNvSpPr>
+            <a:spLocks noGrp="1"/>
+          </p:cNvSpPr>
+          <p:nvPr>
+            <p:ph sz="quarter" idx="1"/>
+          </p:nvPr>
+        </p:nvSpPr>
+        <p:spPr/>
+        <p:txBody>
+          <a:bodyPr>
+            <a:normAutofit lnSpcReduction="10000"/>
+          </a:bodyPr>
+          <a:lstStyle/>
+          <a:p>
+            <a:r>
+              <a:rPr lang="fr-FR" dirty="0" smtClean="0"/>
+              <a:t>Dead end </a:t>
+            </a:r>
+            <a:r>
+              <a:rPr lang="fr-FR" dirty="0" err="1" smtClean="0"/>
+              <a:t>path</a:t>
+            </a:r>
+            <a:endParaRPr lang="fr-FR" dirty="0" smtClean="0"/>
+          </a:p>
+          <a:p>
+            <a:endParaRPr lang="fr-FR" dirty="0" smtClean="0"/>
+          </a:p>
+          <a:p>
+            <a:endParaRPr lang="fr-FR" dirty="0" smtClean="0"/>
+          </a:p>
+          <a:p>
+            <a:r>
+              <a:rPr lang="fr-FR" dirty="0" err="1" smtClean="0"/>
+              <a:t>Denied</a:t>
+            </a:r>
+            <a:r>
+              <a:rPr lang="fr-FR" dirty="0" smtClean="0"/>
+              <a:t> </a:t>
+            </a:r>
+            <a:r>
+              <a:rPr lang="fr-FR" dirty="0" err="1" smtClean="0"/>
+              <a:t>access</a:t>
+            </a:r>
+            <a:endParaRPr lang="fr-FR" dirty="0" smtClean="0"/>
+          </a:p>
+          <a:p>
+            <a:endParaRPr lang="fr-FR" dirty="0" smtClean="0"/>
+          </a:p>
+          <a:p>
+            <a:endParaRPr lang="fr-FR" dirty="0" smtClean="0"/>
+          </a:p>
+          <a:p>
+            <a:r>
+              <a:rPr lang="fr-FR" dirty="0" err="1" smtClean="0"/>
+              <a:t>Difficult</a:t>
+            </a:r>
+            <a:r>
+              <a:rPr lang="fr-FR" dirty="0" smtClean="0"/>
+              <a:t> tests</a:t>
+            </a:r>
+          </a:p>
+          <a:p>
+            <a:pPr lvl="1"/>
+            <a:r>
+              <a:rPr lang="fr-FR" dirty="0" smtClean="0"/>
+              <a:t>Lot of </a:t>
+            </a:r>
+            <a:r>
+              <a:rPr lang="fr-FR" dirty="0" err="1" smtClean="0"/>
+              <a:t>death</a:t>
+            </a:r>
+            <a:endParaRPr lang="fr-FR" dirty="0" smtClean="0"/>
+          </a:p>
+          <a:p>
+            <a:pPr lvl="1"/>
+            <a:r>
+              <a:rPr lang="fr-FR" dirty="0" err="1" smtClean="0"/>
+              <a:t>Too</a:t>
+            </a:r>
+            <a:r>
+              <a:rPr lang="fr-FR" dirty="0" smtClean="0"/>
+              <a:t> diverse data</a:t>
+            </a:r>
+          </a:p>
+          <a:p>
+            <a:endParaRPr lang="fr-FR" dirty="0" smtClean="0"/>
+          </a:p>
+          <a:p>
+            <a:r>
+              <a:rPr lang="fr-FR" dirty="0" err="1" smtClean="0"/>
+              <a:t>Keep</a:t>
+            </a:r>
+            <a:r>
+              <a:rPr lang="fr-FR" dirty="0" smtClean="0"/>
+              <a:t> as minimum the communication </a:t>
+            </a:r>
+            <a:r>
+              <a:rPr lang="fr-FR" dirty="0" err="1" smtClean="0"/>
+              <a:t>between</a:t>
+            </a:r>
+            <a:r>
+              <a:rPr lang="fr-FR" dirty="0" smtClean="0"/>
+              <a:t> threads</a:t>
+            </a:r>
+            <a:endParaRPr lang="fr-FR" dirty="0"/>
+          </a:p>
+        </p:txBody>
+      </p:sp>
+    </p:spTree>
+  </p:cSld>
+  <p:clrMapOvr>
+    <a:masterClrMapping/>
+  </p:clrMapOvr>
+  <p:transition>
+    <p:fade/>
+  </p:transition>
+  <p:timing>
+    <p:tnLst>
+      <p:par>
+        <p:cTn id="1" dur="indefinite" restart="never" nodeType="tmRoot"/>
+      </p:par>
+    </p:tnLst>
+  </p:timing>
+</p:sld>
+</file>
+
+<file path=ppt/slides/slide12.xml><?xml version="1.0" encoding="utf-8"?>
+<p:sld xmlns:a="http://schemas.openxmlformats.org/drawingml/2006/main" xmlns:r="http://schemas.openxmlformats.org/officeDocument/2006/relationships" xmlns:p="http://schemas.openxmlformats.org/presentationml/2006/main">
+  <p:cSld>
+    <p:spTree>
+      <p:nvGrpSpPr>
+        <p:cNvPr id="1" name=""/>
+        <p:cNvGrpSpPr/>
+        <p:nvPr/>
+      </p:nvGrpSpPr>
+      <p:grpSpPr>
+        <a:xfrm>
+          <a:off x="0" y="0"/>
+          <a:ext cx="0" cy="0"/>
+          <a:chOff x="0" y="0"/>
+          <a:chExt cx="0" cy="0"/>
+        </a:xfrm>
+      </p:grpSpPr>
+      <p:sp>
+        <p:nvSpPr>
+          <p:cNvPr id="2" name="Title 1"/>
+          <p:cNvSpPr>
+            <a:spLocks noGrp="1"/>
+          </p:cNvSpPr>
+          <p:nvPr>
+            <p:ph type="title"/>
+          </p:nvPr>
+        </p:nvSpPr>
+        <p:spPr/>
+        <p:txBody>
+          <a:bodyPr/>
+          <a:lstStyle/>
+          <a:p>
+            <a:r>
+              <a:rPr lang="fr-FR" dirty="0" smtClean="0"/>
+              <a:t>Conclusion</a:t>
+            </a:r>
+            <a:endParaRPr lang="fr-FR" dirty="0"/>
+          </a:p>
+        </p:txBody>
+      </p:sp>
+      <p:sp>
+        <p:nvSpPr>
+          <p:cNvPr id="3" name="Content Placeholder 2"/>
+          <p:cNvSpPr>
+            <a:spLocks noGrp="1"/>
+          </p:cNvSpPr>
+          <p:nvPr>
+            <p:ph sz="quarter" idx="1"/>
+          </p:nvPr>
+        </p:nvSpPr>
+        <p:spPr/>
+        <p:txBody>
+          <a:bodyPr/>
+          <a:lstStyle/>
+          <a:p>
+            <a:r>
+              <a:rPr lang="fr-FR" dirty="0" err="1" smtClean="0"/>
+              <a:t>Results</a:t>
+            </a:r>
+            <a:endParaRPr lang="fr-FR" dirty="0" smtClean="0"/>
+          </a:p>
+          <a:p>
+            <a:endParaRPr lang="fr-FR" dirty="0" smtClean="0"/>
+          </a:p>
+          <a:p>
+            <a:endParaRPr lang="fr-FR" dirty="0" smtClean="0"/>
+          </a:p>
+          <a:p>
+            <a:endParaRPr lang="fr-FR" dirty="0" smtClean="0"/>
+          </a:p>
+          <a:p>
+            <a:pPr>
+              <a:buNone/>
+            </a:pPr>
+            <a:endParaRPr lang="fr-FR" dirty="0"/>
+          </a:p>
+        </p:txBody>
+      </p:sp>
+    </p:spTree>
+  </p:cSld>
+  <p:clrMapOvr>
+    <a:masterClrMapping/>
+  </p:clrMapOvr>
+  <p:transition>
+    <p:fade/>
+  </p:transition>
+  <p:timing>
+    <p:tnLst>
+      <p:par>
+        <p:cTn id="1" dur="indefinite" restart="never" nodeType="tmRoot"/>
+      </p:par>
+    </p:tnLst>
+  </p:timing>
+</p:sld>
+</file>
+
+<file path=ppt/slides/slide13.xml><?xml version="1.0" encoding="utf-8"?>
+<p:sld xmlns:a="http://schemas.openxmlformats.org/drawingml/2006/main" xmlns:r="http://schemas.openxmlformats.org/officeDocument/2006/relationships" xmlns:p="http://schemas.openxmlformats.org/presentationml/2006/main">
+  <p:cSld>
+    <p:spTree>
+      <p:nvGrpSpPr>
+        <p:cNvPr id="1" name=""/>
+        <p:cNvGrpSpPr/>
+        <p:nvPr/>
+      </p:nvGrpSpPr>
+      <p:grpSpPr>
+        <a:xfrm>
+          <a:off x="0" y="0"/>
+          <a:ext cx="0" cy="0"/>
+          <a:chOff x="0" y="0"/>
+          <a:chExt cx="0" cy="0"/>
+        </a:xfrm>
+      </p:grpSpPr>
+      <p:sp>
+        <p:nvSpPr>
+          <p:cNvPr id="2" name="Title 1"/>
+          <p:cNvSpPr>
+            <a:spLocks noGrp="1"/>
+          </p:cNvSpPr>
+          <p:nvPr>
+            <p:ph type="title"/>
+          </p:nvPr>
+        </p:nvSpPr>
+        <p:spPr/>
+        <p:txBody>
+          <a:bodyPr/>
+          <a:lstStyle/>
+          <a:p>
+            <a:r>
+              <a:rPr lang="fr-FR" dirty="0" err="1" smtClean="0"/>
+              <a:t>Thanks</a:t>
+            </a:r>
+            <a:r>
+              <a:rPr lang="fr-FR" dirty="0" smtClean="0"/>
+              <a:t> for </a:t>
+            </a:r>
+            <a:r>
+              <a:rPr lang="fr-FR" dirty="0" err="1" smtClean="0"/>
+              <a:t>your</a:t>
+            </a:r>
+            <a:r>
+              <a:rPr lang="fr-FR" dirty="0" smtClean="0"/>
+              <a:t> attention</a:t>
+            </a:r>
+            <a:endParaRPr lang="fr-FR" dirty="0"/>
+          </a:p>
+        </p:txBody>
+      </p:sp>
+      <p:sp>
+        <p:nvSpPr>
+          <p:cNvPr id="3" name="Content Placeholder 2"/>
+          <p:cNvSpPr>
+            <a:spLocks noGrp="1"/>
+          </p:cNvSpPr>
+          <p:nvPr>
+            <p:ph sz="quarter" idx="1"/>
+          </p:nvPr>
+        </p:nvSpPr>
+        <p:spPr/>
+        <p:txBody>
+          <a:bodyPr/>
+          <a:lstStyle/>
+          <a:p>
+            <a:endParaRPr lang="fr-FR"/>
+          </a:p>
+        </p:txBody>
+      </p:sp>
+    </p:spTree>
+  </p:cSld>
+  <p:clrMapOvr>
+    <a:masterClrMapping/>
+  </p:clrMapOvr>
+  <p:transition>
+    <p:fade/>
+  </p:transition>
 </p:sld>
 </file>
 
@@ -5248,6 +5779,16 @@
   <p:clrMapOvr>
     <a:masterClrMapping/>
   </p:clrMapOvr>
+  <p:transition>
+    <p:fade/>
+  </p:transition>
+  <p:timing>
+    <p:tnLst>
+      <p:par>
+        <p:cTn id="1" dur="indefinite" restart="never" nodeType="tmRoot"/>
+      </p:par>
+    </p:tnLst>
+  </p:timing>
 </p:sld>
 </file>
 
@@ -5295,11 +5836,12 @@
             </a:r>
             <a:r>
               <a:rPr lang="fr-FR" dirty="0" smtClean="0"/>
-              <a:t> web</a:t>
-            </a:r>
-            <a:br>
+              <a:t> </a:t>
+            </a:r>
+            <a:r>
               <a:rPr lang="fr-FR" dirty="0" smtClean="0"/>
-            </a:br>
+              <a:t>web</a:t>
+            </a:r>
             <a:endParaRPr lang="fr-FR" dirty="0"/>
           </a:p>
         </p:txBody>
@@ -5319,7 +5861,55 @@
           <a:bodyPr/>
           <a:lstStyle/>
           <a:p>
-            <a:endParaRPr lang="fr-FR"/>
+            <a:r>
+              <a:rPr lang="fr-FR" dirty="0" smtClean="0"/>
+              <a:t>RDF (</a:t>
+            </a:r>
+            <a:r>
+              <a:rPr lang="fr-FR" dirty="0" smtClean="0"/>
+              <a:t>Resource Description </a:t>
+            </a:r>
+            <a:r>
+              <a:rPr lang="fr-FR" dirty="0" smtClean="0"/>
+              <a:t>Framework)</a:t>
+            </a:r>
+          </a:p>
+          <a:p>
+            <a:endParaRPr lang="fr-FR" smtClean="0"/>
+          </a:p>
+          <a:p>
+            <a:endParaRPr lang="fr-FR" dirty="0" smtClean="0"/>
+          </a:p>
+          <a:p>
+            <a:r>
+              <a:rPr lang="fr-FR" dirty="0" smtClean="0"/>
+              <a:t>Triples</a:t>
+            </a:r>
+          </a:p>
+          <a:p>
+            <a:endParaRPr lang="fr-FR" dirty="0" smtClean="0"/>
+          </a:p>
+          <a:p>
+            <a:endParaRPr lang="fr-FR" dirty="0" smtClean="0"/>
+          </a:p>
+          <a:p>
+            <a:r>
+              <a:rPr lang="fr-FR" dirty="0" smtClean="0"/>
+              <a:t>Stores</a:t>
+            </a:r>
+          </a:p>
+          <a:p>
+            <a:endParaRPr lang="fr-FR" dirty="0" smtClean="0"/>
+          </a:p>
+          <a:p>
+            <a:endParaRPr lang="fr-FR" dirty="0" smtClean="0"/>
+          </a:p>
+          <a:p>
+            <a:r>
+              <a:rPr lang="fr-FR" dirty="0" err="1" smtClean="0"/>
+              <a:t>Entailments</a:t>
+            </a:r>
+            <a:endParaRPr lang="fr-FR" dirty="0"/>
           </a:p>
         </p:txBody>
       </p:sp>
@@ -5328,6 +5918,16 @@
   <p:clrMapOvr>
     <a:masterClrMapping/>
   </p:clrMapOvr>
+  <p:transition>
+    <p:fade/>
+  </p:transition>
+  <p:timing>
+    <p:tnLst>
+      <p:par>
+        <p:cTn id="1" dur="indefinite" restart="never" nodeType="tmRoot"/>
+      </p:par>
+    </p:tnLst>
+  </p:timing>
 </p:sld>
 </file>
 
@@ -5379,33 +5979,112 @@
               <a:rPr lang="fr-FR" dirty="0" err="1" smtClean="0"/>
               <a:t>behaviour</a:t>
             </a:r>
+            <a:endParaRPr lang="fr-FR" dirty="0"/>
+          </a:p>
+        </p:txBody>
+      </p:sp>
+      <p:sp>
+        <p:nvSpPr>
+          <p:cNvPr id="3" name="Content Placeholder 2"/>
+          <p:cNvSpPr>
+            <a:spLocks noGrp="1"/>
+          </p:cNvSpPr>
+          <p:nvPr>
+            <p:ph sz="quarter" idx="1"/>
+          </p:nvPr>
+        </p:nvSpPr>
+        <p:spPr/>
+        <p:txBody>
+          <a:bodyPr/>
+          <a:lstStyle/>
+          <a:p>
+            <a:r>
+              <a:rPr lang="fr-FR" dirty="0" err="1" smtClean="0"/>
+              <a:t>Random</a:t>
+            </a:r>
             <a:r>
               <a:rPr lang="fr-FR" dirty="0" smtClean="0"/>
-              <a:t/>
-            </a:r>
-            <a:br>
+              <a:t> agent</a:t>
+            </a:r>
+          </a:p>
+          <a:p>
+            <a:pPr lvl="1"/>
+            <a:r>
               <a:rPr lang="fr-FR" dirty="0" smtClean="0"/>
-            </a:br>
-            <a:endParaRPr lang="fr-FR" dirty="0"/>
-          </a:p>
-        </p:txBody>
-      </p:sp>
-      <p:sp>
-        <p:nvSpPr>
-          <p:cNvPr id="3" name="Content Placeholder 2"/>
-          <p:cNvSpPr>
-            <a:spLocks noGrp="1"/>
-          </p:cNvSpPr>
-          <p:nvPr>
-            <p:ph sz="quarter" idx="1"/>
-          </p:nvPr>
-        </p:nvSpPr>
-        <p:spPr/>
-        <p:txBody>
-          <a:bodyPr/>
-          <a:lstStyle/>
-          <a:p>
-            <a:endParaRPr lang="fr-FR"/>
+              <a:t>Navigation</a:t>
+            </a:r>
+          </a:p>
+          <a:p>
+            <a:pPr lvl="1"/>
+            <a:r>
+              <a:rPr lang="fr-FR" dirty="0" err="1" smtClean="0"/>
+              <a:t>Act</a:t>
+            </a:r>
+            <a:endParaRPr lang="fr-FR" dirty="0" smtClean="0"/>
+          </a:p>
+          <a:p>
+            <a:pPr lvl="1"/>
+            <a:r>
+              <a:rPr lang="fr-FR" dirty="0" err="1" smtClean="0"/>
+              <a:t>Communicate</a:t>
+            </a:r>
+            <a:endParaRPr lang="fr-FR" dirty="0" smtClean="0"/>
+          </a:p>
+          <a:p>
+            <a:pPr lvl="1"/>
+            <a:r>
+              <a:rPr lang="fr-FR" dirty="0" err="1" smtClean="0"/>
+              <a:t>Evaluate</a:t>
+            </a:r>
+            <a:endParaRPr lang="fr-FR" dirty="0" smtClean="0"/>
+          </a:p>
+          <a:p>
+            <a:endParaRPr lang="fr-FR" dirty="0" smtClean="0"/>
+          </a:p>
+          <a:p>
+            <a:r>
+              <a:rPr lang="fr-FR" dirty="0" smtClean="0"/>
+              <a:t>Applications :</a:t>
+            </a:r>
+          </a:p>
+          <a:p>
+            <a:pPr lvl="1"/>
+            <a:r>
+              <a:rPr lang="fr-FR" dirty="0" smtClean="0"/>
+              <a:t>Page-</a:t>
+            </a:r>
+            <a:r>
+              <a:rPr lang="fr-FR" dirty="0" err="1" smtClean="0"/>
+              <a:t>rank</a:t>
+            </a:r>
+            <a:r>
+              <a:rPr lang="fr-FR" dirty="0" smtClean="0"/>
+              <a:t> </a:t>
+            </a:r>
+            <a:r>
+              <a:rPr lang="fr-FR" dirty="0" err="1" smtClean="0"/>
+              <a:t>like</a:t>
+            </a:r>
+            <a:r>
+              <a:rPr lang="fr-FR" dirty="0" smtClean="0"/>
+              <a:t> graph</a:t>
+            </a:r>
+          </a:p>
+          <a:p>
+            <a:pPr lvl="1"/>
+            <a:r>
+              <a:rPr lang="fr-FR" dirty="0" err="1" smtClean="0"/>
+              <a:t>Easy</a:t>
+            </a:r>
+            <a:r>
+              <a:rPr lang="fr-FR" dirty="0" smtClean="0"/>
+              <a:t> to </a:t>
+            </a:r>
+            <a:r>
+              <a:rPr lang="fr-FR" dirty="0" err="1" smtClean="0"/>
+              <a:t>implement</a:t>
+            </a:r>
+            <a:endParaRPr lang="fr-FR" dirty="0" smtClean="0"/>
           </a:p>
         </p:txBody>
       </p:sp>
@@ -5414,6 +6093,16 @@
   <p:clrMapOvr>
     <a:masterClrMapping/>
   </p:clrMapOvr>
+  <p:transition>
+    <p:fade/>
+  </p:transition>
+  <p:timing>
+    <p:tnLst>
+      <p:par>
+        <p:cTn id="1" dur="indefinite" restart="never" nodeType="tmRoot"/>
+      </p:par>
+    </p:tnLst>
+  </p:timing>
 </p:sld>
 </file>
 
@@ -5451,11 +6140,20 @@
           <a:p>
             <a:r>
               <a:rPr lang="fr-FR" dirty="0" smtClean="0"/>
-              <a:t>Web UI</a:t>
-            </a:r>
-            <a:br>
+              <a:t>Agents </a:t>
+            </a:r>
+            <a:r>
+              <a:rPr lang="fr-FR" dirty="0" err="1" smtClean="0"/>
+              <a:t>details</a:t>
+            </a:r>
+            <a:r>
               <a:rPr lang="fr-FR" dirty="0" smtClean="0"/>
-            </a:br>
+              <a:t> &amp; </a:t>
+            </a:r>
+            <a:r>
+              <a:rPr lang="fr-FR" dirty="0" err="1" smtClean="0"/>
+              <a:t>behaviour</a:t>
+            </a:r>
             <a:endParaRPr lang="fr-FR" dirty="0"/>
           </a:p>
         </p:txBody>
@@ -5475,7 +6173,59 @@
           <a:bodyPr/>
           <a:lstStyle/>
           <a:p>
-            <a:endParaRPr lang="fr-FR"/>
+            <a:r>
+              <a:rPr lang="fr-FR" dirty="0" err="1" smtClean="0"/>
+              <a:t>Bees</a:t>
+            </a:r>
+            <a:endParaRPr lang="fr-FR" dirty="0" smtClean="0"/>
+          </a:p>
+          <a:p>
+            <a:pPr lvl="1"/>
+            <a:r>
+              <a:rPr lang="fr-FR" dirty="0" smtClean="0"/>
+              <a:t>Navigation</a:t>
+            </a:r>
+          </a:p>
+          <a:p>
+            <a:pPr lvl="1"/>
+            <a:r>
+              <a:rPr lang="fr-FR" dirty="0" err="1" smtClean="0"/>
+              <a:t>Act</a:t>
+            </a:r>
+            <a:endParaRPr lang="fr-FR" dirty="0" smtClean="0"/>
+          </a:p>
+          <a:p>
+            <a:pPr lvl="1"/>
+            <a:r>
+              <a:rPr lang="fr-FR" dirty="0" err="1" smtClean="0"/>
+              <a:t>Communicate</a:t>
+            </a:r>
+            <a:endParaRPr lang="fr-FR" dirty="0" smtClean="0"/>
+          </a:p>
+          <a:p>
+            <a:pPr lvl="1"/>
+            <a:r>
+              <a:rPr lang="fr-FR" dirty="0" err="1" smtClean="0"/>
+              <a:t>Evaluate</a:t>
+            </a:r>
+            <a:endParaRPr lang="fr-FR" dirty="0" smtClean="0"/>
+          </a:p>
+          <a:p>
+            <a:endParaRPr lang="fr-FR" dirty="0" smtClean="0"/>
+          </a:p>
+          <a:p>
+            <a:r>
+              <a:rPr lang="fr-FR" dirty="0" smtClean="0"/>
+              <a:t>Applications :</a:t>
+            </a:r>
+          </a:p>
+          <a:p>
+            <a:pPr lvl="1"/>
+            <a:r>
+              <a:rPr lang="fr-FR" dirty="0" err="1" smtClean="0"/>
+              <a:t>Search</a:t>
+            </a:r>
+            <a:endParaRPr lang="fr-FR" dirty="0"/>
           </a:p>
         </p:txBody>
       </p:sp>
@@ -5484,6 +6234,9 @@
   <p:clrMapOvr>
     <a:masterClrMapping/>
   </p:clrMapOvr>
+  <p:transition>
+    <p:fade/>
+  </p:transition>
 </p:sld>
 </file>
 
@@ -5520,8 +6273,91 @@
           <a:lstStyle/>
           <a:p>
             <a:r>
+              <a:rPr lang="fr-FR" dirty="0" smtClean="0"/>
+              <a:t>Agents </a:t>
+            </a:r>
+            <a:r>
               <a:rPr lang="fr-FR" dirty="0" err="1" smtClean="0"/>
-              <a:t>Difference</a:t>
+              <a:t>details</a:t>
+            </a:r>
+            <a:r>
+              <a:rPr lang="fr-FR" dirty="0" smtClean="0"/>
+              <a:t> &amp; </a:t>
+            </a:r>
+            <a:r>
+              <a:rPr lang="fr-FR" dirty="0" err="1" smtClean="0"/>
+              <a:t>behaviour</a:t>
+            </a:r>
+            <a:endParaRPr lang="fr-FR" dirty="0"/>
+          </a:p>
+        </p:txBody>
+      </p:sp>
+      <p:sp>
+        <p:nvSpPr>
+          <p:cNvPr id="3" name="Content Placeholder 2"/>
+          <p:cNvSpPr>
+            <a:spLocks noGrp="1"/>
+          </p:cNvSpPr>
+          <p:nvPr>
+            <p:ph sz="quarter" idx="1"/>
+          </p:nvPr>
+        </p:nvSpPr>
+        <p:spPr/>
+        <p:txBody>
+          <a:bodyPr/>
+          <a:lstStyle/>
+          <a:p>
+            <a:r>
+              <a:rPr lang="fr-FR" dirty="0" err="1" smtClean="0"/>
+              <a:t>Ants</a:t>
+            </a:r>
+            <a:endParaRPr lang="fr-FR" dirty="0" smtClean="0"/>
+          </a:p>
+          <a:p>
+            <a:pPr lvl="1"/>
+            <a:r>
+              <a:rPr lang="fr-FR" dirty="0" smtClean="0"/>
+              <a:t>Navigation</a:t>
+            </a:r>
+          </a:p>
+          <a:p>
+            <a:pPr lvl="1"/>
+            <a:r>
+              <a:rPr lang="fr-FR" dirty="0" err="1" smtClean="0"/>
+              <a:t>Act</a:t>
+            </a:r>
+            <a:endParaRPr lang="fr-FR" dirty="0" smtClean="0"/>
+          </a:p>
+          <a:p>
+            <a:pPr lvl="1"/>
+            <a:r>
+              <a:rPr lang="fr-FR" dirty="0" err="1" smtClean="0"/>
+              <a:t>Communicate</a:t>
+            </a:r>
+            <a:endParaRPr lang="fr-FR" dirty="0" smtClean="0"/>
+          </a:p>
+          <a:p>
+            <a:pPr lvl="1"/>
+            <a:r>
+              <a:rPr lang="fr-FR" dirty="0" err="1" smtClean="0"/>
+              <a:t>Evaluate</a:t>
+            </a:r>
+            <a:endParaRPr lang="fr-FR" dirty="0" smtClean="0"/>
+          </a:p>
+          <a:p>
+            <a:endParaRPr lang="fr-FR" dirty="0" smtClean="0"/>
+          </a:p>
+          <a:p>
+            <a:r>
+              <a:rPr lang="fr-FR" dirty="0" smtClean="0"/>
+              <a:t>Applications</a:t>
+            </a:r>
+          </a:p>
+          <a:p>
+            <a:pPr lvl="1"/>
+            <a:r>
+              <a:rPr lang="fr-FR" dirty="0" err="1" smtClean="0"/>
+              <a:t>Shortest</a:t>
             </a:r>
             <a:r>
               <a:rPr lang="fr-FR" dirty="0" smtClean="0"/>
@@ -5529,36 +6365,12 @@
             </a:r>
             <a:r>
               <a:rPr lang="fr-FR" dirty="0" err="1" smtClean="0"/>
-              <a:t>between</a:t>
-            </a:r>
-            <a:r>
-              <a:rPr lang="fr-FR" dirty="0" smtClean="0"/>
-              <a:t> the </a:t>
-            </a:r>
-            <a:r>
-              <a:rPr lang="fr-FR" dirty="0" smtClean="0"/>
-              <a:t>agents</a:t>
-            </a:r>
+              <a:t>path</a:t>
+            </a:r>
+            <a:endParaRPr lang="fr-FR" dirty="0" smtClean="0"/>
+          </a:p>
+          <a:p>
             <a:endParaRPr lang="fr-FR" dirty="0"/>
-          </a:p>
-        </p:txBody>
-      </p:sp>
-      <p:sp>
-        <p:nvSpPr>
-          <p:cNvPr id="3" name="Content Placeholder 2"/>
-          <p:cNvSpPr>
-            <a:spLocks noGrp="1"/>
-          </p:cNvSpPr>
-          <p:nvPr>
-            <p:ph sz="quarter" idx="1"/>
-          </p:nvPr>
-        </p:nvSpPr>
-        <p:spPr/>
-        <p:txBody>
-          <a:bodyPr/>
-          <a:lstStyle/>
-          <a:p>
-            <a:endParaRPr lang="fr-FR"/>
           </a:p>
         </p:txBody>
       </p:sp>
@@ -5567,6 +6379,9 @@
   <p:clrMapOvr>
     <a:masterClrMapping/>
   </p:clrMapOvr>
+  <p:transition>
+    <p:fade/>
+  </p:transition>
 </p:sld>
 </file>
 
@@ -5604,32 +6419,78 @@
           <a:p>
             <a:r>
               <a:rPr lang="fr-FR" dirty="0" smtClean="0"/>
-              <a:t>Main </a:t>
-            </a:r>
+              <a:t>Web UI</a:t>
+            </a:r>
+            <a:endParaRPr lang="fr-FR" dirty="0"/>
+          </a:p>
+        </p:txBody>
+      </p:sp>
+      <p:sp>
+        <p:nvSpPr>
+          <p:cNvPr id="3" name="Content Placeholder 2"/>
+          <p:cNvSpPr>
+            <a:spLocks noGrp="1"/>
+          </p:cNvSpPr>
+          <p:nvPr>
+            <p:ph sz="quarter" idx="1"/>
+          </p:nvPr>
+        </p:nvSpPr>
+        <p:spPr/>
+        <p:txBody>
+          <a:bodyPr/>
+          <a:lstStyle/>
+          <a:p>
             <a:r>
               <a:rPr lang="fr-FR" dirty="0" smtClean="0"/>
-              <a:t>issues</a:t>
-            </a:r>
+              <a:t>List of agents</a:t>
+            </a:r>
+          </a:p>
+          <a:p>
+            <a:endParaRPr lang="fr-FR" dirty="0" smtClean="0"/>
+          </a:p>
+          <a:p>
+            <a:endParaRPr lang="fr-FR" dirty="0" smtClean="0"/>
+          </a:p>
+          <a:p>
+            <a:r>
+              <a:rPr lang="fr-FR" dirty="0" err="1" smtClean="0"/>
+              <a:t>Crawled</a:t>
+            </a:r>
+            <a:r>
+              <a:rPr lang="fr-FR" dirty="0" smtClean="0"/>
+              <a:t> graph</a:t>
+            </a:r>
+            <a:endParaRPr lang="fr-FR" dirty="0" smtClean="0"/>
+          </a:p>
+          <a:p>
+            <a:endParaRPr lang="fr-FR" dirty="0" smtClean="0"/>
+          </a:p>
+          <a:p>
+            <a:endParaRPr lang="fr-FR" dirty="0" smtClean="0"/>
+          </a:p>
+          <a:p>
+            <a:r>
+              <a:rPr lang="fr-FR" dirty="0" smtClean="0">
+                <a:hlinkClick r:id="rId2"/>
+              </a:rPr>
+              <a:t>http://localhost:3040</a:t>
+            </a:r>
+            <a:endParaRPr lang="fr-FR" dirty="0" smtClean="0"/>
+          </a:p>
+          <a:p>
+            <a:endParaRPr lang="fr-FR" dirty="0" smtClean="0"/>
+          </a:p>
+          <a:p>
+            <a:pPr>
+              <a:buNone/>
+            </a:pPr>
+            <a:endParaRPr lang="fr-FR" dirty="0" smtClean="0"/>
+          </a:p>
+          <a:p>
+            <a:endParaRPr lang="fr-FR" dirty="0" smtClean="0"/>
+          </a:p>
+          <a:p>
             <a:endParaRPr lang="fr-FR" dirty="0"/>
-          </a:p>
-        </p:txBody>
-      </p:sp>
-      <p:sp>
-        <p:nvSpPr>
-          <p:cNvPr id="3" name="Content Placeholder 2"/>
-          <p:cNvSpPr>
-            <a:spLocks noGrp="1"/>
-          </p:cNvSpPr>
-          <p:nvPr>
-            <p:ph sz="quarter" idx="1"/>
-          </p:nvPr>
-        </p:nvSpPr>
-        <p:spPr/>
-        <p:txBody>
-          <a:bodyPr/>
-          <a:lstStyle/>
-          <a:p>
-            <a:endParaRPr lang="fr-FR"/>
           </a:p>
         </p:txBody>
       </p:sp>
@@ -5638,6 +6499,9 @@
   <p:clrMapOvr>
     <a:masterClrMapping/>
   </p:clrMapOvr>
+  <p:transition>
+    <p:fade/>
+  </p:transition>
 </p:sld>
 </file>
 
@@ -5675,36 +6539,183 @@
           <a:p>
             <a:r>
               <a:rPr lang="fr-FR" dirty="0" smtClean="0"/>
-              <a:t>Conclusion</a:t>
+              <a:t>Web </a:t>
+            </a:r>
+            <a:r>
+              <a:rPr lang="fr-FR" dirty="0" smtClean="0"/>
+              <a:t>UI</a:t>
             </a:r>
             <a:endParaRPr lang="fr-FR" dirty="0"/>
           </a:p>
         </p:txBody>
       </p:sp>
-      <p:sp>
-        <p:nvSpPr>
-          <p:cNvPr id="3" name="Content Placeholder 2"/>
-          <p:cNvSpPr>
-            <a:spLocks noGrp="1"/>
-          </p:cNvSpPr>
+      <p:pic>
+        <p:nvPicPr>
+          <p:cNvPr id="4" name="Content Placeholder 3" descr="dh_graph.png"/>
+          <p:cNvPicPr>
+            <a:picLocks noGrp="1" noChangeAspect="1"/>
+          </p:cNvPicPr>
           <p:nvPr>
             <p:ph sz="quarter" idx="1"/>
           </p:nvPr>
-        </p:nvSpPr>
-        <p:spPr/>
-        <p:txBody>
-          <a:bodyPr/>
-          <a:lstStyle/>
-          <a:p>
-            <a:endParaRPr lang="fr-FR"/>
-          </a:p>
-        </p:txBody>
-      </p:sp>
+        </p:nvPicPr>
+        <p:blipFill>
+          <a:blip r:embed="rId2" cstate="print"/>
+          <a:stretch>
+            <a:fillRect/>
+          </a:stretch>
+        </p:blipFill>
+        <p:spPr>
+          <a:xfrm>
+            <a:off x="185088" y="1781344"/>
+            <a:ext cx="8419360" cy="3663464"/>
+          </a:xfrm>
+        </p:spPr>
+      </p:pic>
     </p:spTree>
   </p:cSld>
   <p:clrMapOvr>
     <a:masterClrMapping/>
   </p:clrMapOvr>
+  <p:transition>
+    <p:fade/>
+  </p:transition>
+  <p:timing>
+    <p:tnLst>
+      <p:par>
+        <p:cTn id="1" dur="indefinite" restart="never" nodeType="tmRoot"/>
+      </p:par>
+    </p:tnLst>
+  </p:timing>
+</p:sld>
+</file>
+
+<file path=ppt/slides/slide9.xml><?xml version="1.0" encoding="utf-8"?>
+<p:sld xmlns:a="http://schemas.openxmlformats.org/drawingml/2006/main" xmlns:r="http://schemas.openxmlformats.org/officeDocument/2006/relationships" xmlns:p="http://schemas.openxmlformats.org/presentationml/2006/main">
+  <p:cSld>
+    <p:spTree>
+      <p:nvGrpSpPr>
+        <p:cNvPr id="1" name=""/>
+        <p:cNvGrpSpPr/>
+        <p:nvPr/>
+      </p:nvGrpSpPr>
+      <p:grpSpPr>
+        <a:xfrm>
+          <a:off x="0" y="0"/>
+          <a:ext cx="0" cy="0"/>
+          <a:chOff x="0" y="0"/>
+          <a:chExt cx="0" cy="0"/>
+        </a:xfrm>
+      </p:grpSpPr>
+      <p:sp>
+        <p:nvSpPr>
+          <p:cNvPr id="2" name="Title 1"/>
+          <p:cNvSpPr>
+            <a:spLocks noGrp="1"/>
+          </p:cNvSpPr>
+          <p:nvPr>
+            <p:ph type="title"/>
+          </p:nvPr>
+        </p:nvSpPr>
+        <p:spPr/>
+        <p:txBody>
+          <a:bodyPr/>
+          <a:lstStyle/>
+          <a:p>
+            <a:r>
+              <a:rPr lang="fr-FR" dirty="0" err="1" smtClean="0"/>
+              <a:t>Difference</a:t>
+            </a:r>
+            <a:r>
+              <a:rPr lang="fr-FR" dirty="0" smtClean="0"/>
+              <a:t> </a:t>
+            </a:r>
+            <a:r>
+              <a:rPr lang="fr-FR" dirty="0" err="1" smtClean="0"/>
+              <a:t>between</a:t>
+            </a:r>
+            <a:r>
+              <a:rPr lang="fr-FR" dirty="0" smtClean="0"/>
+              <a:t> the agents</a:t>
+            </a:r>
+            <a:endParaRPr lang="fr-FR" dirty="0"/>
+          </a:p>
+        </p:txBody>
+      </p:sp>
+      <p:pic>
+        <p:nvPicPr>
+          <p:cNvPr id="4" name="Content Placeholder 3" descr="dh_betweenness_centrality_random.png"/>
+          <p:cNvPicPr>
+            <a:picLocks noGrp="1" noChangeAspect="1"/>
+          </p:cNvPicPr>
+          <p:nvPr>
+            <p:ph sz="quarter" idx="1"/>
+          </p:nvPr>
+        </p:nvPicPr>
+        <p:blipFill>
+          <a:blip r:embed="rId2" cstate="print"/>
+          <a:stretch>
+            <a:fillRect/>
+          </a:stretch>
+        </p:blipFill>
+        <p:spPr>
+          <a:xfrm>
+            <a:off x="1333500" y="2132012"/>
+            <a:ext cx="5715000" cy="3810000"/>
+          </a:xfrm>
+        </p:spPr>
+      </p:pic>
+      <p:sp>
+        <p:nvSpPr>
+          <p:cNvPr id="5" name="TextBox 4"/>
+          <p:cNvSpPr txBox="1"/>
+          <p:nvPr/>
+        </p:nvSpPr>
+        <p:spPr>
+          <a:xfrm>
+            <a:off x="539552" y="1484784"/>
+            <a:ext cx="2952328" cy="646331"/>
+          </a:xfrm>
+          <a:prstGeom prst="rect">
+            <a:avLst/>
+          </a:prstGeom>
+          <a:noFill/>
+        </p:spPr>
+        <p:txBody>
+          <a:bodyPr wrap="square" rtlCol="0">
+            <a:spAutoFit/>
+          </a:bodyPr>
+          <a:lstStyle/>
+          <a:p>
+            <a:r>
+              <a:rPr lang="fr-FR" dirty="0" err="1" smtClean="0"/>
+              <a:t>Random</a:t>
+            </a:r>
+            <a:r>
+              <a:rPr lang="fr-FR" dirty="0" smtClean="0"/>
+              <a:t> :</a:t>
+            </a:r>
+          </a:p>
+          <a:p>
+            <a:r>
+              <a:rPr lang="fr-FR" dirty="0" err="1" smtClean="0"/>
+              <a:t>Clustering</a:t>
+            </a:r>
+            <a:r>
+              <a:rPr lang="fr-FR" dirty="0" smtClean="0"/>
+              <a:t> coefficient : 0</a:t>
+            </a:r>
+          </a:p>
+        </p:txBody>
+      </p:sp>
+    </p:spTree>
+  </p:cSld>
+  <p:clrMapOvr>
+    <a:masterClrMapping/>
+  </p:clrMapOvr>
+  <p:transition>
+    <p:fade/>
+  </p:transition>
 </p:sld>
 </file>
 

--- a/report/Bachelor presentation.pptx
+++ b/report/Bachelor presentation.pptx
@@ -5599,25 +5599,53 @@
           </a:p>
         </p:txBody>
       </p:sp>
-      <p:sp>
-        <p:nvSpPr>
-          <p:cNvPr id="3" name="Content Placeholder 2"/>
-          <p:cNvSpPr>
-            <a:spLocks noGrp="1"/>
-          </p:cNvSpPr>
+      <p:pic>
+        <p:nvPicPr>
+          <p:cNvPr id="4" name="Content Placeholder 3" descr="vulogo.png"/>
+          <p:cNvPicPr>
+            <a:picLocks noGrp="1" noChangeAspect="1"/>
+          </p:cNvPicPr>
           <p:nvPr>
             <p:ph sz="quarter" idx="1"/>
           </p:nvPr>
-        </p:nvSpPr>
-        <p:spPr/>
-        <p:txBody>
-          <a:bodyPr/>
-          <a:lstStyle/>
-          <a:p>
-            <a:endParaRPr lang="fr-FR"/>
-          </a:p>
-        </p:txBody>
-      </p:sp>
+        </p:nvPicPr>
+        <p:blipFill>
+          <a:blip r:embed="rId2" cstate="print"/>
+          <a:stretch>
+            <a:fillRect/>
+          </a:stretch>
+        </p:blipFill>
+        <p:spPr>
+          <a:xfrm>
+            <a:off x="457200" y="2890863"/>
+            <a:ext cx="3394720" cy="1042063"/>
+          </a:xfrm>
+        </p:spPr>
+      </p:pic>
+      <p:pic>
+        <p:nvPicPr>
+          <p:cNvPr id="5" name="Picture 4" descr="rdf_w3c_icon.png"/>
+          <p:cNvPicPr>
+            <a:picLocks noChangeAspect="1"/>
+          </p:cNvPicPr>
+          <p:nvPr/>
+        </p:nvPicPr>
+        <p:blipFill>
+          <a:blip r:embed="rId3" cstate="print"/>
+          <a:stretch>
+            <a:fillRect/>
+          </a:stretch>
+        </p:blipFill>
+        <p:spPr>
+          <a:xfrm>
+            <a:off x="5652120" y="2060848"/>
+            <a:ext cx="1123950" cy="1219200"/>
+          </a:xfrm>
+          <a:prstGeom prst="rect">
+            <a:avLst/>
+          </a:prstGeom>
+        </p:spPr>
+      </p:pic>
     </p:spTree>
   </p:cSld>
   <p:clrMapOvr>
@@ -5875,7 +5903,7 @@
             </a:r>
           </a:p>
           <a:p>
-            <a:endParaRPr lang="fr-FR" smtClean="0"/>
+            <a:endParaRPr lang="fr-FR" dirty="0" smtClean="0"/>
           </a:p>
           <a:p>
             <a:endParaRPr lang="fr-FR" dirty="0" smtClean="0"/>

--- a/report/Bachelor presentation.pptx
+++ b/report/Bachelor presentation.pptx
@@ -256,7 +256,8 @@
           <a:p>
             <a:fld id="{9FA8EF12-3456-455D-A946-E216EFBA8490}" type="datetimeFigureOut">
               <a:rPr lang="fr-FR" smtClean="0"/>
-              <a:t>28/06/2014</a:t>
+              <a:pPr/>
+              <a:t>29/06/2014</a:t>
             </a:fld>
             <a:endParaRPr lang="fr-FR"/>
           </a:p>
@@ -1002,6 +1003,7 @@
           <a:p>
             <a:fld id="{D74A6011-DB39-4306-9AC4-61F813F73883}" type="slidenum">
               <a:rPr lang="fr-FR" smtClean="0"/>
+              <a:pPr/>
               <a:t>‹#›</a:t>
             </a:fld>
             <a:endParaRPr lang="fr-FR"/>
@@ -1128,7 +1130,8 @@
           <a:p>
             <a:fld id="{9FA8EF12-3456-455D-A946-E216EFBA8490}" type="datetimeFigureOut">
               <a:rPr lang="fr-FR" smtClean="0"/>
-              <a:t>28/06/2014</a:t>
+              <a:pPr/>
+              <a:t>29/06/2014</a:t>
             </a:fld>
             <a:endParaRPr lang="fr-FR"/>
           </a:p>
@@ -1170,6 +1173,7 @@
           <a:p>
             <a:fld id="{D74A6011-DB39-4306-9AC4-61F813F73883}" type="slidenum">
               <a:rPr lang="fr-FR" smtClean="0"/>
+              <a:pPr/>
               <a:t>‹#›</a:t>
             </a:fld>
             <a:endParaRPr lang="fr-FR"/>
@@ -1306,7 +1310,8 @@
           <a:p>
             <a:fld id="{9FA8EF12-3456-455D-A946-E216EFBA8490}" type="datetimeFigureOut">
               <a:rPr lang="fr-FR" smtClean="0"/>
-              <a:t>28/06/2014</a:t>
+              <a:pPr/>
+              <a:t>29/06/2014</a:t>
             </a:fld>
             <a:endParaRPr lang="fr-FR"/>
           </a:p>
@@ -1348,6 +1353,7 @@
           <a:p>
             <a:fld id="{D74A6011-DB39-4306-9AC4-61F813F73883}" type="slidenum">
               <a:rPr lang="fr-FR" smtClean="0"/>
+              <a:pPr/>
               <a:t>‹#›</a:t>
             </a:fld>
             <a:endParaRPr lang="fr-FR"/>
@@ -1479,7 +1485,8 @@
           <a:p>
             <a:fld id="{9FA8EF12-3456-455D-A946-E216EFBA8490}" type="datetimeFigureOut">
               <a:rPr lang="fr-FR" smtClean="0"/>
-              <a:t>28/06/2014</a:t>
+              <a:pPr/>
+              <a:t>29/06/2014</a:t>
             </a:fld>
             <a:endParaRPr lang="fr-FR"/>
           </a:p>
@@ -1502,6 +1509,7 @@
           <a:p>
             <a:fld id="{D74A6011-DB39-4306-9AC4-61F813F73883}" type="slidenum">
               <a:rPr lang="fr-FR" smtClean="0"/>
+              <a:pPr/>
               <a:t>‹#›</a:t>
             </a:fld>
             <a:endParaRPr lang="fr-FR"/>
@@ -1692,7 +1700,8 @@
           <a:p>
             <a:fld id="{9FA8EF12-3456-455D-A946-E216EFBA8490}" type="datetimeFigureOut">
               <a:rPr lang="fr-FR" smtClean="0"/>
-              <a:t>28/06/2014</a:t>
+              <a:pPr/>
+              <a:t>29/06/2014</a:t>
             </a:fld>
             <a:endParaRPr lang="fr-FR"/>
           </a:p>
@@ -2435,6 +2444,7 @@
           <a:p>
             <a:fld id="{D74A6011-DB39-4306-9AC4-61F813F73883}" type="slidenum">
               <a:rPr lang="fr-FR" smtClean="0"/>
+              <a:pPr/>
               <a:t>‹#›</a:t>
             </a:fld>
             <a:endParaRPr lang="fr-FR"/>
@@ -2509,7 +2519,8 @@
           <a:p>
             <a:fld id="{9FA8EF12-3456-455D-A946-E216EFBA8490}" type="datetimeFigureOut">
               <a:rPr lang="fr-FR" smtClean="0"/>
-              <a:t>28/06/2014</a:t>
+              <a:pPr/>
+              <a:t>29/06/2014</a:t>
             </a:fld>
             <a:endParaRPr lang="fr-FR"/>
           </a:p>
@@ -2551,6 +2562,7 @@
           <a:p>
             <a:fld id="{D74A6011-DB39-4306-9AC4-61F813F73883}" type="slidenum">
               <a:rPr lang="fr-FR" smtClean="0"/>
+              <a:pPr/>
               <a:t>‹#›</a:t>
             </a:fld>
             <a:endParaRPr lang="fr-FR"/>
@@ -2748,7 +2760,8 @@
           <a:p>
             <a:fld id="{9FA8EF12-3456-455D-A946-E216EFBA8490}" type="datetimeFigureOut">
               <a:rPr lang="fr-FR" smtClean="0"/>
-              <a:t>28/06/2014</a:t>
+              <a:pPr/>
+              <a:t>29/06/2014</a:t>
             </a:fld>
             <a:endParaRPr lang="fr-FR"/>
           </a:p>
@@ -2790,6 +2803,7 @@
           <a:p>
             <a:fld id="{D74A6011-DB39-4306-9AC4-61F813F73883}" type="slidenum">
               <a:rPr lang="fr-FR" smtClean="0"/>
+              <a:pPr/>
               <a:t>‹#›</a:t>
             </a:fld>
             <a:endParaRPr lang="fr-FR"/>
@@ -3074,7 +3088,8 @@
           <a:p>
             <a:fld id="{9FA8EF12-3456-455D-A946-E216EFBA8490}" type="datetimeFigureOut">
               <a:rPr lang="fr-FR" smtClean="0"/>
-              <a:t>28/06/2014</a:t>
+              <a:pPr/>
+              <a:t>29/06/2014</a:t>
             </a:fld>
             <a:endParaRPr lang="fr-FR"/>
           </a:p>
@@ -3097,6 +3112,7 @@
           <a:p>
             <a:fld id="{D74A6011-DB39-4306-9AC4-61F813F73883}" type="slidenum">
               <a:rPr lang="fr-FR" smtClean="0"/>
+              <a:pPr/>
               <a:t>‹#›</a:t>
             </a:fld>
             <a:endParaRPr lang="fr-FR"/>
@@ -3167,7 +3183,8 @@
           <a:p>
             <a:fld id="{9FA8EF12-3456-455D-A946-E216EFBA8490}" type="datetimeFigureOut">
               <a:rPr lang="fr-FR" smtClean="0"/>
-              <a:t>28/06/2014</a:t>
+              <a:pPr/>
+              <a:t>29/06/2014</a:t>
             </a:fld>
             <a:endParaRPr lang="fr-FR"/>
           </a:p>
@@ -3209,6 +3226,7 @@
           <a:p>
             <a:fld id="{D74A6011-DB39-4306-9AC4-61F813F73883}" type="slidenum">
               <a:rPr lang="fr-FR" smtClean="0"/>
+              <a:pPr/>
               <a:t>‹#›</a:t>
             </a:fld>
             <a:endParaRPr lang="fr-FR"/>
@@ -3687,7 +3705,8 @@
           <a:p>
             <a:fld id="{9FA8EF12-3456-455D-A946-E216EFBA8490}" type="datetimeFigureOut">
               <a:rPr lang="fr-FR" smtClean="0"/>
-              <a:t>28/06/2014</a:t>
+              <a:pPr/>
+              <a:t>29/06/2014</a:t>
             </a:fld>
             <a:endParaRPr lang="fr-FR"/>
           </a:p>
@@ -3710,6 +3729,7 @@
           <a:p>
             <a:fld id="{D74A6011-DB39-4306-9AC4-61F813F73883}" type="slidenum">
               <a:rPr lang="fr-FR" smtClean="0"/>
+              <a:pPr/>
               <a:t>‹#›</a:t>
             </a:fld>
             <a:endParaRPr lang="fr-FR"/>
@@ -4201,7 +4221,8 @@
           <a:p>
             <a:fld id="{9FA8EF12-3456-455D-A946-E216EFBA8490}" type="datetimeFigureOut">
               <a:rPr lang="fr-FR" smtClean="0"/>
-              <a:t>28/06/2014</a:t>
+              <a:pPr/>
+              <a:t>29/06/2014</a:t>
             </a:fld>
             <a:endParaRPr lang="fr-FR"/>
           </a:p>
@@ -4224,6 +4245,7 @@
           <a:p>
             <a:fld id="{D74A6011-DB39-4306-9AC4-61F813F73883}" type="slidenum">
               <a:rPr lang="fr-FR" smtClean="0"/>
+              <a:pPr/>
               <a:t>‹#›</a:t>
             </a:fld>
             <a:endParaRPr lang="fr-FR"/>
@@ -4449,7 +4471,8 @@
           <a:p>
             <a:fld id="{9FA8EF12-3456-455D-A946-E216EFBA8490}" type="datetimeFigureOut">
               <a:rPr lang="fr-FR" smtClean="0"/>
-              <a:t>28/06/2014</a:t>
+              <a:pPr/>
+              <a:t>29/06/2014</a:t>
             </a:fld>
             <a:endParaRPr lang="fr-FR"/>
           </a:p>
@@ -4725,6 +4748,7 @@
           <a:p>
             <a:fld id="{D74A6011-DB39-4306-9AC4-61F813F73883}" type="slidenum">
               <a:rPr lang="fr-FR" smtClean="0"/>
+              <a:pPr/>
               <a:t>‹#›</a:t>
             </a:fld>
             <a:endParaRPr lang="fr-FR"/>
@@ -5076,7 +5100,15 @@
           <a:p>
             <a:r>
               <a:rPr lang="en-US" dirty="0" smtClean="0"/>
-              <a:t>Comparative Study about intelligent agent on</a:t>
+              <a:t>Comparative Study about intelligent </a:t>
+            </a:r>
+            <a:r>
+              <a:rPr lang="en-US" dirty="0" smtClean="0"/>
+              <a:t>agents </a:t>
+            </a:r>
+            <a:r>
+              <a:rPr lang="en-US" dirty="0" smtClean="0"/>
+              <a:t>on</a:t>
             </a:r>
             <a:br>
               <a:rPr lang="en-US" dirty="0" smtClean="0"/>
@@ -5091,7 +5123,7 @@
             </a:r>
             <a:r>
               <a:rPr lang="fr-FR" dirty="0" smtClean="0"/>
-              <a:t>graph</a:t>
+              <a:t>graphs</a:t>
             </a:r>
             <a:endParaRPr lang="fr-FR" dirty="0"/>
           </a:p>
@@ -5114,18 +5146,23 @@
           <a:p>
             <a:r>
               <a:rPr lang="en-US" dirty="0" smtClean="0"/>
-              <a:t>Bachelor Project in Semantic Web using bee and</a:t>
-            </a:r>
-            <a:br>
+              <a:t>Bachelor Project in Semantic Web using </a:t>
+            </a:r>
+            <a:r>
               <a:rPr lang="en-US" dirty="0" smtClean="0"/>
-            </a:br>
+              <a:t>random, bee and </a:t>
+            </a:r>
             <a:r>
               <a:rPr lang="fr-FR" dirty="0" err="1" smtClean="0"/>
               <a:t>ant</a:t>
             </a:r>
             <a:r>
               <a:rPr lang="fr-FR" dirty="0" smtClean="0"/>
-              <a:t> agent</a:t>
+              <a:t> </a:t>
+            </a:r>
+            <a:r>
+              <a:rPr lang="fr-FR" dirty="0" smtClean="0"/>
+              <a:t>agent</a:t>
             </a:r>
             <a:endParaRPr lang="fr-FR" dirty="0"/>
           </a:p>
@@ -5219,8 +5256,8 @@
         </p:blipFill>
         <p:spPr>
           <a:xfrm>
-            <a:off x="1333500" y="2132012"/>
-            <a:ext cx="5715000" cy="3810000"/>
+            <a:off x="1115616" y="2132012"/>
+            <a:ext cx="6660000" cy="4440000"/>
           </a:xfrm>
         </p:spPr>
       </p:pic>
@@ -5312,11 +5349,7 @@
           <a:p>
             <a:r>
               <a:rPr lang="fr-FR" dirty="0" smtClean="0"/>
-              <a:t>Main </a:t>
-            </a:r>
-            <a:r>
-              <a:rPr lang="fr-FR" dirty="0" smtClean="0"/>
-              <a:t>issues</a:t>
+              <a:t>Main issues</a:t>
             </a:r>
             <a:endParaRPr lang="fr-FR" dirty="0"/>
           </a:p>
@@ -5864,42 +5897,30 @@
             </a:r>
             <a:r>
               <a:rPr lang="fr-FR" dirty="0" smtClean="0"/>
-              <a:t> </a:t>
-            </a:r>
+              <a:t> web</a:t>
+            </a:r>
+            <a:endParaRPr lang="fr-FR" dirty="0"/>
+          </a:p>
+        </p:txBody>
+      </p:sp>
+      <p:sp>
+        <p:nvSpPr>
+          <p:cNvPr id="3" name="Content Placeholder 2"/>
+          <p:cNvSpPr>
+            <a:spLocks noGrp="1"/>
+          </p:cNvSpPr>
+          <p:nvPr>
+            <p:ph sz="quarter" idx="1"/>
+          </p:nvPr>
+        </p:nvSpPr>
+        <p:spPr/>
+        <p:txBody>
+          <a:bodyPr/>
+          <a:lstStyle/>
+          <a:p>
             <a:r>
               <a:rPr lang="fr-FR" dirty="0" smtClean="0"/>
-              <a:t>web</a:t>
-            </a:r>
-            <a:endParaRPr lang="fr-FR" dirty="0"/>
-          </a:p>
-        </p:txBody>
-      </p:sp>
-      <p:sp>
-        <p:nvSpPr>
-          <p:cNvPr id="3" name="Content Placeholder 2"/>
-          <p:cNvSpPr>
-            <a:spLocks noGrp="1"/>
-          </p:cNvSpPr>
-          <p:nvPr>
-            <p:ph sz="quarter" idx="1"/>
-          </p:nvPr>
-        </p:nvSpPr>
-        <p:spPr/>
-        <p:txBody>
-          <a:bodyPr/>
-          <a:lstStyle/>
-          <a:p>
-            <a:r>
-              <a:rPr lang="fr-FR" dirty="0" smtClean="0"/>
-              <a:t>RDF (</a:t>
-            </a:r>
-            <a:r>
-              <a:rPr lang="fr-FR" dirty="0" smtClean="0"/>
-              <a:t>Resource Description </a:t>
-            </a:r>
-            <a:r>
-              <a:rPr lang="fr-FR" dirty="0" smtClean="0"/>
-              <a:t>Framework)</a:t>
+              <a:t>RDF (Resource Description Framework)</a:t>
             </a:r>
           </a:p>
           <a:p>
@@ -6027,7 +6048,7 @@
           <a:lstStyle/>
           <a:p>
             <a:r>
-              <a:rPr lang="fr-FR" dirty="0" err="1" smtClean="0"/>
+              <a:rPr lang="fr-FR" b="1" dirty="0" err="1" smtClean="0"/>
               <a:t>Random</a:t>
             </a:r>
             <a:r>
@@ -6202,10 +6223,10 @@
           <a:lstStyle/>
           <a:p>
             <a:r>
-              <a:rPr lang="fr-FR" dirty="0" err="1" smtClean="0"/>
+              <a:rPr lang="fr-FR" b="1" dirty="0" err="1" smtClean="0"/>
               <a:t>Bees</a:t>
             </a:r>
-            <a:endParaRPr lang="fr-FR" dirty="0" smtClean="0"/>
+            <a:endParaRPr lang="fr-FR" b="1" dirty="0" smtClean="0"/>
           </a:p>
           <a:p>
             <a:pPr lvl="1"/>
@@ -6336,10 +6357,10 @@
           <a:lstStyle/>
           <a:p>
             <a:r>
-              <a:rPr lang="fr-FR" dirty="0" err="1" smtClean="0"/>
+              <a:rPr lang="fr-FR" b="1" dirty="0" err="1" smtClean="0"/>
               <a:t>Ants</a:t>
             </a:r>
-            <a:endParaRPr lang="fr-FR" dirty="0" smtClean="0"/>
+            <a:endParaRPr lang="fr-FR" b="1" dirty="0" smtClean="0"/>
           </a:p>
           <a:p>
             <a:pPr lvl="1"/>
@@ -6488,7 +6509,6 @@
               <a:rPr lang="fr-FR" dirty="0" smtClean="0"/>
               <a:t> graph</a:t>
             </a:r>
-            <a:endParaRPr lang="fr-FR" dirty="0" smtClean="0"/>
           </a:p>
           <a:p>
             <a:endParaRPr lang="fr-FR" dirty="0" smtClean="0"/>
@@ -6567,11 +6587,7 @@
           <a:p>
             <a:r>
               <a:rPr lang="fr-FR" dirty="0" smtClean="0"/>
-              <a:t>Web </a:t>
-            </a:r>
-            <a:r>
-              <a:rPr lang="fr-FR" dirty="0" smtClean="0"/>
-              <a:t>UI</a:t>
+              <a:t>Web UI</a:t>
             </a:r>
             <a:endParaRPr lang="fr-FR" dirty="0"/>
           </a:p>
@@ -6688,8 +6704,8 @@
         </p:blipFill>
         <p:spPr>
           <a:xfrm>
-            <a:off x="1333500" y="2132012"/>
-            <a:ext cx="5715000" cy="3810000"/>
+            <a:off x="1115616" y="2132012"/>
+            <a:ext cx="6660000" cy="4440000"/>
           </a:xfrm>
         </p:spPr>
       </p:pic>
